--- a/RoboReviews template_def.pptx
+++ b/RoboReviews template_def.pptx
@@ -73,8 +73,8 @@
         </p:nvSpPr>
         <p:spPr>
           <a:xfrm>
-            <a:off x="311760" y="301680"/>
-            <a:ext cx="8519760" cy="858960"/>
+            <a:off x="457200" y="205200"/>
+            <a:ext cx="8229240" cy="858600"/>
           </a:xfrm>
           <a:prstGeom prst="rect">
             <a:avLst/>
@@ -104,8 +104,8 @@
         </p:nvSpPr>
         <p:spPr>
           <a:xfrm>
-            <a:off x="311760" y="1152360"/>
-            <a:ext cx="8519760" cy="1629000"/>
+            <a:off x="457200" y="1203480"/>
+            <a:ext cx="8229240" cy="1422720"/>
           </a:xfrm>
           <a:prstGeom prst="rect">
             <a:avLst/>
@@ -134,8 +134,8 @@
         </p:nvSpPr>
         <p:spPr>
           <a:xfrm>
-            <a:off x="311760" y="2936520"/>
-            <a:ext cx="8519760" cy="1629000"/>
+            <a:off x="457200" y="2761920"/>
+            <a:ext cx="8229240" cy="1422720"/>
           </a:xfrm>
           <a:prstGeom prst="rect">
             <a:avLst/>
@@ -186,8 +186,8 @@
         </p:nvSpPr>
         <p:spPr>
           <a:xfrm>
-            <a:off x="311760" y="301680"/>
-            <a:ext cx="8519760" cy="858960"/>
+            <a:off x="457200" y="205200"/>
+            <a:ext cx="8229240" cy="858600"/>
           </a:xfrm>
           <a:prstGeom prst="rect">
             <a:avLst/>
@@ -217,8 +217,8 @@
         </p:nvSpPr>
         <p:spPr>
           <a:xfrm>
-            <a:off x="311760" y="1152360"/>
-            <a:ext cx="4157280" cy="1629000"/>
+            <a:off x="457200" y="1203480"/>
+            <a:ext cx="4015800" cy="1422720"/>
           </a:xfrm>
           <a:prstGeom prst="rect">
             <a:avLst/>
@@ -247,8 +247,8 @@
         </p:nvSpPr>
         <p:spPr>
           <a:xfrm>
-            <a:off x="4677120" y="1152360"/>
-            <a:ext cx="4157280" cy="1629000"/>
+            <a:off x="4674240" y="1203480"/>
+            <a:ext cx="4015800" cy="1422720"/>
           </a:xfrm>
           <a:prstGeom prst="rect">
             <a:avLst/>
@@ -277,8 +277,8 @@
         </p:nvSpPr>
         <p:spPr>
           <a:xfrm>
-            <a:off x="311760" y="2936520"/>
-            <a:ext cx="4157280" cy="1629000"/>
+            <a:off x="457200" y="2761920"/>
+            <a:ext cx="4015800" cy="1422720"/>
           </a:xfrm>
           <a:prstGeom prst="rect">
             <a:avLst/>
@@ -307,8 +307,8 @@
         </p:nvSpPr>
         <p:spPr>
           <a:xfrm>
-            <a:off x="4677120" y="2936520"/>
-            <a:ext cx="4157280" cy="1629000"/>
+            <a:off x="4674240" y="2761920"/>
+            <a:ext cx="4015800" cy="1422720"/>
           </a:xfrm>
           <a:prstGeom prst="rect">
             <a:avLst/>
@@ -359,8 +359,8 @@
         </p:nvSpPr>
         <p:spPr>
           <a:xfrm>
-            <a:off x="311760" y="301680"/>
-            <a:ext cx="8519760" cy="858960"/>
+            <a:off x="457200" y="205200"/>
+            <a:ext cx="8229240" cy="858600"/>
           </a:xfrm>
           <a:prstGeom prst="rect">
             <a:avLst/>
@@ -390,8 +390,8 @@
         </p:nvSpPr>
         <p:spPr>
           <a:xfrm>
-            <a:off x="311760" y="1152360"/>
-            <a:ext cx="2743200" cy="1629000"/>
+            <a:off x="457200" y="1203480"/>
+            <a:ext cx="2649600" cy="1422720"/>
           </a:xfrm>
           <a:prstGeom prst="rect">
             <a:avLst/>
@@ -420,8 +420,8 @@
         </p:nvSpPr>
         <p:spPr>
           <a:xfrm>
-            <a:off x="3192480" y="1152360"/>
-            <a:ext cx="2743200" cy="1629000"/>
+            <a:off x="3239640" y="1203480"/>
+            <a:ext cx="2649600" cy="1422720"/>
           </a:xfrm>
           <a:prstGeom prst="rect">
             <a:avLst/>
@@ -450,8 +450,8 @@
         </p:nvSpPr>
         <p:spPr>
           <a:xfrm>
-            <a:off x="6073200" y="1152360"/>
-            <a:ext cx="2743200" cy="1629000"/>
+            <a:off x="6022080" y="1203480"/>
+            <a:ext cx="2649600" cy="1422720"/>
           </a:xfrm>
           <a:prstGeom prst="rect">
             <a:avLst/>
@@ -480,8 +480,8 @@
         </p:nvSpPr>
         <p:spPr>
           <a:xfrm>
-            <a:off x="311760" y="2936520"/>
-            <a:ext cx="2743200" cy="1629000"/>
+            <a:off x="457200" y="2761920"/>
+            <a:ext cx="2649600" cy="1422720"/>
           </a:xfrm>
           <a:prstGeom prst="rect">
             <a:avLst/>
@@ -510,8 +510,8 @@
         </p:nvSpPr>
         <p:spPr>
           <a:xfrm>
-            <a:off x="3192480" y="2936520"/>
-            <a:ext cx="2743200" cy="1629000"/>
+            <a:off x="3239640" y="2761920"/>
+            <a:ext cx="2649600" cy="1422720"/>
           </a:xfrm>
           <a:prstGeom prst="rect">
             <a:avLst/>
@@ -540,8 +540,8 @@
         </p:nvSpPr>
         <p:spPr>
           <a:xfrm>
-            <a:off x="6073200" y="2936520"/>
-            <a:ext cx="2743200" cy="1629000"/>
+            <a:off x="6022080" y="2761920"/>
+            <a:ext cx="2649600" cy="1422720"/>
           </a:xfrm>
           <a:prstGeom prst="rect">
             <a:avLst/>
@@ -614,8 +614,8 @@
         </p:nvSpPr>
         <p:spPr>
           <a:xfrm>
-            <a:off x="311760" y="301680"/>
-            <a:ext cx="8519760" cy="858960"/>
+            <a:off x="457200" y="205200"/>
+            <a:ext cx="8229240" cy="858600"/>
           </a:xfrm>
           <a:prstGeom prst="rect">
             <a:avLst/>
@@ -645,8 +645,8 @@
         </p:nvSpPr>
         <p:spPr>
           <a:xfrm>
-            <a:off x="311760" y="1152360"/>
-            <a:ext cx="8519760" cy="3415680"/>
+            <a:off x="457200" y="1203480"/>
+            <a:ext cx="8229240" cy="2982960"/>
           </a:xfrm>
           <a:prstGeom prst="rect">
             <a:avLst/>
@@ -698,8 +698,8 @@
         </p:nvSpPr>
         <p:spPr>
           <a:xfrm>
-            <a:off x="311760" y="301680"/>
-            <a:ext cx="8519760" cy="858960"/>
+            <a:off x="457200" y="205200"/>
+            <a:ext cx="8229240" cy="858600"/>
           </a:xfrm>
           <a:prstGeom prst="rect">
             <a:avLst/>
@@ -729,8 +729,8 @@
         </p:nvSpPr>
         <p:spPr>
           <a:xfrm>
-            <a:off x="311760" y="1152360"/>
-            <a:ext cx="8519760" cy="3415680"/>
+            <a:off x="457200" y="1203480"/>
+            <a:ext cx="8229240" cy="2982960"/>
           </a:xfrm>
           <a:prstGeom prst="rect">
             <a:avLst/>
@@ -781,8 +781,8 @@
         </p:nvSpPr>
         <p:spPr>
           <a:xfrm>
-            <a:off x="311760" y="301680"/>
-            <a:ext cx="8519760" cy="858960"/>
+            <a:off x="457200" y="205200"/>
+            <a:ext cx="8229240" cy="858600"/>
           </a:xfrm>
           <a:prstGeom prst="rect">
             <a:avLst/>
@@ -812,8 +812,8 @@
         </p:nvSpPr>
         <p:spPr>
           <a:xfrm>
-            <a:off x="311760" y="1152360"/>
-            <a:ext cx="4157280" cy="3415680"/>
+            <a:off x="457200" y="1203480"/>
+            <a:ext cx="4015800" cy="2982960"/>
           </a:xfrm>
           <a:prstGeom prst="rect">
             <a:avLst/>
@@ -842,8 +842,8 @@
         </p:nvSpPr>
         <p:spPr>
           <a:xfrm>
-            <a:off x="4677120" y="1152360"/>
-            <a:ext cx="4157280" cy="3415680"/>
+            <a:off x="4674240" y="1203480"/>
+            <a:ext cx="4015800" cy="2982960"/>
           </a:xfrm>
           <a:prstGeom prst="rect">
             <a:avLst/>
@@ -894,8 +894,8 @@
         </p:nvSpPr>
         <p:spPr>
           <a:xfrm>
-            <a:off x="311760" y="301680"/>
-            <a:ext cx="8519760" cy="858960"/>
+            <a:off x="457200" y="205200"/>
+            <a:ext cx="8229240" cy="858600"/>
           </a:xfrm>
           <a:prstGeom prst="rect">
             <a:avLst/>
@@ -947,8 +947,8 @@
         </p:nvSpPr>
         <p:spPr>
           <a:xfrm>
-            <a:off x="311760" y="301680"/>
-            <a:ext cx="8519760" cy="3983040"/>
+            <a:off x="457200" y="205200"/>
+            <a:ext cx="8229240" cy="3981240"/>
           </a:xfrm>
           <a:prstGeom prst="rect">
             <a:avLst/>
@@ -1000,8 +1000,8 @@
         </p:nvSpPr>
         <p:spPr>
           <a:xfrm>
-            <a:off x="311760" y="301680"/>
-            <a:ext cx="8519760" cy="858960"/>
+            <a:off x="457200" y="205200"/>
+            <a:ext cx="8229240" cy="858600"/>
           </a:xfrm>
           <a:prstGeom prst="rect">
             <a:avLst/>
@@ -1031,8 +1031,8 @@
         </p:nvSpPr>
         <p:spPr>
           <a:xfrm>
-            <a:off x="311760" y="1152360"/>
-            <a:ext cx="4157280" cy="1629000"/>
+            <a:off x="457200" y="1203480"/>
+            <a:ext cx="4015800" cy="1422720"/>
           </a:xfrm>
           <a:prstGeom prst="rect">
             <a:avLst/>
@@ -1061,8 +1061,8 @@
         </p:nvSpPr>
         <p:spPr>
           <a:xfrm>
-            <a:off x="4677120" y="1152360"/>
-            <a:ext cx="4157280" cy="3415680"/>
+            <a:off x="4674240" y="1203480"/>
+            <a:ext cx="4015800" cy="2982960"/>
           </a:xfrm>
           <a:prstGeom prst="rect">
             <a:avLst/>
@@ -1091,8 +1091,8 @@
         </p:nvSpPr>
         <p:spPr>
           <a:xfrm>
-            <a:off x="311760" y="2936520"/>
-            <a:ext cx="4157280" cy="1629000"/>
+            <a:off x="457200" y="2761920"/>
+            <a:ext cx="4015800" cy="1422720"/>
           </a:xfrm>
           <a:prstGeom prst="rect">
             <a:avLst/>
@@ -1143,8 +1143,8 @@
         </p:nvSpPr>
         <p:spPr>
           <a:xfrm>
-            <a:off x="311760" y="301680"/>
-            <a:ext cx="8519760" cy="858960"/>
+            <a:off x="457200" y="205200"/>
+            <a:ext cx="8229240" cy="858600"/>
           </a:xfrm>
           <a:prstGeom prst="rect">
             <a:avLst/>
@@ -1174,8 +1174,8 @@
         </p:nvSpPr>
         <p:spPr>
           <a:xfrm>
-            <a:off x="311760" y="1152360"/>
-            <a:ext cx="8519760" cy="3415680"/>
+            <a:off x="457200" y="1203480"/>
+            <a:ext cx="8229240" cy="2982960"/>
           </a:xfrm>
           <a:prstGeom prst="rect">
             <a:avLst/>
@@ -1227,8 +1227,8 @@
         </p:nvSpPr>
         <p:spPr>
           <a:xfrm>
-            <a:off x="311760" y="301680"/>
-            <a:ext cx="8519760" cy="858960"/>
+            <a:off x="457200" y="205200"/>
+            <a:ext cx="8229240" cy="858600"/>
           </a:xfrm>
           <a:prstGeom prst="rect">
             <a:avLst/>
@@ -1258,8 +1258,8 @@
         </p:nvSpPr>
         <p:spPr>
           <a:xfrm>
-            <a:off x="311760" y="1152360"/>
-            <a:ext cx="4157280" cy="3415680"/>
+            <a:off x="457200" y="1203480"/>
+            <a:ext cx="4015800" cy="2982960"/>
           </a:xfrm>
           <a:prstGeom prst="rect">
             <a:avLst/>
@@ -1288,8 +1288,8 @@
         </p:nvSpPr>
         <p:spPr>
           <a:xfrm>
-            <a:off x="4677120" y="1152360"/>
-            <a:ext cx="4157280" cy="1629000"/>
+            <a:off x="4674240" y="1203480"/>
+            <a:ext cx="4015800" cy="1422720"/>
           </a:xfrm>
           <a:prstGeom prst="rect">
             <a:avLst/>
@@ -1318,8 +1318,8 @@
         </p:nvSpPr>
         <p:spPr>
           <a:xfrm>
-            <a:off x="4677120" y="2936520"/>
-            <a:ext cx="4157280" cy="1629000"/>
+            <a:off x="4674240" y="2761920"/>
+            <a:ext cx="4015800" cy="1422720"/>
           </a:xfrm>
           <a:prstGeom prst="rect">
             <a:avLst/>
@@ -1370,8 +1370,8 @@
         </p:nvSpPr>
         <p:spPr>
           <a:xfrm>
-            <a:off x="311760" y="301680"/>
-            <a:ext cx="8519760" cy="858960"/>
+            <a:off x="457200" y="205200"/>
+            <a:ext cx="8229240" cy="858600"/>
           </a:xfrm>
           <a:prstGeom prst="rect">
             <a:avLst/>
@@ -1401,8 +1401,8 @@
         </p:nvSpPr>
         <p:spPr>
           <a:xfrm>
-            <a:off x="311760" y="1152360"/>
-            <a:ext cx="4157280" cy="1629000"/>
+            <a:off x="457200" y="1203480"/>
+            <a:ext cx="4015800" cy="1422720"/>
           </a:xfrm>
           <a:prstGeom prst="rect">
             <a:avLst/>
@@ -1431,8 +1431,8 @@
         </p:nvSpPr>
         <p:spPr>
           <a:xfrm>
-            <a:off x="4677120" y="1152360"/>
-            <a:ext cx="4157280" cy="1629000"/>
+            <a:off x="4674240" y="1203480"/>
+            <a:ext cx="4015800" cy="1422720"/>
           </a:xfrm>
           <a:prstGeom prst="rect">
             <a:avLst/>
@@ -1461,8 +1461,8 @@
         </p:nvSpPr>
         <p:spPr>
           <a:xfrm>
-            <a:off x="311760" y="2936520"/>
-            <a:ext cx="8519760" cy="1629000"/>
+            <a:off x="457200" y="2761920"/>
+            <a:ext cx="8229240" cy="1422720"/>
           </a:xfrm>
           <a:prstGeom prst="rect">
             <a:avLst/>
@@ -1513,8 +1513,8 @@
         </p:nvSpPr>
         <p:spPr>
           <a:xfrm>
-            <a:off x="311760" y="301680"/>
-            <a:ext cx="8519760" cy="858960"/>
+            <a:off x="457200" y="205200"/>
+            <a:ext cx="8229240" cy="858600"/>
           </a:xfrm>
           <a:prstGeom prst="rect">
             <a:avLst/>
@@ -1544,8 +1544,8 @@
         </p:nvSpPr>
         <p:spPr>
           <a:xfrm>
-            <a:off x="311760" y="1152360"/>
-            <a:ext cx="8519760" cy="1629000"/>
+            <a:off x="457200" y="1203480"/>
+            <a:ext cx="8229240" cy="1422720"/>
           </a:xfrm>
           <a:prstGeom prst="rect">
             <a:avLst/>
@@ -1574,8 +1574,8 @@
         </p:nvSpPr>
         <p:spPr>
           <a:xfrm>
-            <a:off x="311760" y="2936520"/>
-            <a:ext cx="8519760" cy="1629000"/>
+            <a:off x="457200" y="2761920"/>
+            <a:ext cx="8229240" cy="1422720"/>
           </a:xfrm>
           <a:prstGeom prst="rect">
             <a:avLst/>
@@ -1626,8 +1626,8 @@
         </p:nvSpPr>
         <p:spPr>
           <a:xfrm>
-            <a:off x="311760" y="301680"/>
-            <a:ext cx="8519760" cy="858960"/>
+            <a:off x="457200" y="205200"/>
+            <a:ext cx="8229240" cy="858600"/>
           </a:xfrm>
           <a:prstGeom prst="rect">
             <a:avLst/>
@@ -1657,8 +1657,8 @@
         </p:nvSpPr>
         <p:spPr>
           <a:xfrm>
-            <a:off x="311760" y="1152360"/>
-            <a:ext cx="4157280" cy="1629000"/>
+            <a:off x="457200" y="1203480"/>
+            <a:ext cx="4015800" cy="1422720"/>
           </a:xfrm>
           <a:prstGeom prst="rect">
             <a:avLst/>
@@ -1687,8 +1687,8 @@
         </p:nvSpPr>
         <p:spPr>
           <a:xfrm>
-            <a:off x="4677120" y="1152360"/>
-            <a:ext cx="4157280" cy="1629000"/>
+            <a:off x="4674240" y="1203480"/>
+            <a:ext cx="4015800" cy="1422720"/>
           </a:xfrm>
           <a:prstGeom prst="rect">
             <a:avLst/>
@@ -1717,8 +1717,8 @@
         </p:nvSpPr>
         <p:spPr>
           <a:xfrm>
-            <a:off x="311760" y="2936520"/>
-            <a:ext cx="4157280" cy="1629000"/>
+            <a:off x="457200" y="2761920"/>
+            <a:ext cx="4015800" cy="1422720"/>
           </a:xfrm>
           <a:prstGeom prst="rect">
             <a:avLst/>
@@ -1747,8 +1747,8 @@
         </p:nvSpPr>
         <p:spPr>
           <a:xfrm>
-            <a:off x="4677120" y="2936520"/>
-            <a:ext cx="4157280" cy="1629000"/>
+            <a:off x="4674240" y="2761920"/>
+            <a:ext cx="4015800" cy="1422720"/>
           </a:xfrm>
           <a:prstGeom prst="rect">
             <a:avLst/>
@@ -1799,8 +1799,8 @@
         </p:nvSpPr>
         <p:spPr>
           <a:xfrm>
-            <a:off x="311760" y="301680"/>
-            <a:ext cx="8519760" cy="858960"/>
+            <a:off x="457200" y="205200"/>
+            <a:ext cx="8229240" cy="858600"/>
           </a:xfrm>
           <a:prstGeom prst="rect">
             <a:avLst/>
@@ -1830,8 +1830,8 @@
         </p:nvSpPr>
         <p:spPr>
           <a:xfrm>
-            <a:off x="311760" y="1152360"/>
-            <a:ext cx="2743200" cy="1629000"/>
+            <a:off x="457200" y="1203480"/>
+            <a:ext cx="2649600" cy="1422720"/>
           </a:xfrm>
           <a:prstGeom prst="rect">
             <a:avLst/>
@@ -1860,8 +1860,8 @@
         </p:nvSpPr>
         <p:spPr>
           <a:xfrm>
-            <a:off x="3192480" y="1152360"/>
-            <a:ext cx="2743200" cy="1629000"/>
+            <a:off x="3239640" y="1203480"/>
+            <a:ext cx="2649600" cy="1422720"/>
           </a:xfrm>
           <a:prstGeom prst="rect">
             <a:avLst/>
@@ -1890,8 +1890,8 @@
         </p:nvSpPr>
         <p:spPr>
           <a:xfrm>
-            <a:off x="6073200" y="1152360"/>
-            <a:ext cx="2743200" cy="1629000"/>
+            <a:off x="6022080" y="1203480"/>
+            <a:ext cx="2649600" cy="1422720"/>
           </a:xfrm>
           <a:prstGeom prst="rect">
             <a:avLst/>
@@ -1920,8 +1920,8 @@
         </p:nvSpPr>
         <p:spPr>
           <a:xfrm>
-            <a:off x="311760" y="2936520"/>
-            <a:ext cx="2743200" cy="1629000"/>
+            <a:off x="457200" y="2761920"/>
+            <a:ext cx="2649600" cy="1422720"/>
           </a:xfrm>
           <a:prstGeom prst="rect">
             <a:avLst/>
@@ -1950,8 +1950,8 @@
         </p:nvSpPr>
         <p:spPr>
           <a:xfrm>
-            <a:off x="3192480" y="2936520"/>
-            <a:ext cx="2743200" cy="1629000"/>
+            <a:off x="3239640" y="2761920"/>
+            <a:ext cx="2649600" cy="1422720"/>
           </a:xfrm>
           <a:prstGeom prst="rect">
             <a:avLst/>
@@ -1980,8 +1980,8 @@
         </p:nvSpPr>
         <p:spPr>
           <a:xfrm>
-            <a:off x="6073200" y="2936520"/>
-            <a:ext cx="2743200" cy="1629000"/>
+            <a:off x="6022080" y="2761920"/>
+            <a:ext cx="2649600" cy="1422720"/>
           </a:xfrm>
           <a:prstGeom prst="rect">
             <a:avLst/>
@@ -2032,8 +2032,8 @@
         </p:nvSpPr>
         <p:spPr>
           <a:xfrm>
-            <a:off x="311760" y="301680"/>
-            <a:ext cx="8519760" cy="858960"/>
+            <a:off x="457200" y="205200"/>
+            <a:ext cx="8229240" cy="858600"/>
           </a:xfrm>
           <a:prstGeom prst="rect">
             <a:avLst/>
@@ -2063,8 +2063,8 @@
         </p:nvSpPr>
         <p:spPr>
           <a:xfrm>
-            <a:off x="311760" y="1152360"/>
-            <a:ext cx="8519760" cy="3415680"/>
+            <a:off x="457200" y="1203480"/>
+            <a:ext cx="8229240" cy="2982960"/>
           </a:xfrm>
           <a:prstGeom prst="rect">
             <a:avLst/>
@@ -2115,8 +2115,8 @@
         </p:nvSpPr>
         <p:spPr>
           <a:xfrm>
-            <a:off x="311760" y="301680"/>
-            <a:ext cx="8519760" cy="858960"/>
+            <a:off x="457200" y="205200"/>
+            <a:ext cx="8229240" cy="858600"/>
           </a:xfrm>
           <a:prstGeom prst="rect">
             <a:avLst/>
@@ -2146,8 +2146,8 @@
         </p:nvSpPr>
         <p:spPr>
           <a:xfrm>
-            <a:off x="311760" y="1152360"/>
-            <a:ext cx="4157280" cy="3415680"/>
+            <a:off x="457200" y="1203480"/>
+            <a:ext cx="4015800" cy="2982960"/>
           </a:xfrm>
           <a:prstGeom prst="rect">
             <a:avLst/>
@@ -2176,8 +2176,8 @@
         </p:nvSpPr>
         <p:spPr>
           <a:xfrm>
-            <a:off x="4677120" y="1152360"/>
-            <a:ext cx="4157280" cy="3415680"/>
+            <a:off x="4674240" y="1203480"/>
+            <a:ext cx="4015800" cy="2982960"/>
           </a:xfrm>
           <a:prstGeom prst="rect">
             <a:avLst/>
@@ -2228,8 +2228,8 @@
         </p:nvSpPr>
         <p:spPr>
           <a:xfrm>
-            <a:off x="311760" y="301680"/>
-            <a:ext cx="8519760" cy="858960"/>
+            <a:off x="457200" y="205200"/>
+            <a:ext cx="8229240" cy="858600"/>
           </a:xfrm>
           <a:prstGeom prst="rect">
             <a:avLst/>
@@ -2281,8 +2281,8 @@
         </p:nvSpPr>
         <p:spPr>
           <a:xfrm>
-            <a:off x="311760" y="301680"/>
-            <a:ext cx="8519760" cy="3983040"/>
+            <a:off x="457200" y="205200"/>
+            <a:ext cx="8229240" cy="3981240"/>
           </a:xfrm>
           <a:prstGeom prst="rect">
             <a:avLst/>
@@ -2334,8 +2334,8 @@
         </p:nvSpPr>
         <p:spPr>
           <a:xfrm>
-            <a:off x="311760" y="301680"/>
-            <a:ext cx="8519760" cy="858960"/>
+            <a:off x="457200" y="205200"/>
+            <a:ext cx="8229240" cy="858600"/>
           </a:xfrm>
           <a:prstGeom prst="rect">
             <a:avLst/>
@@ -2365,8 +2365,8 @@
         </p:nvSpPr>
         <p:spPr>
           <a:xfrm>
-            <a:off x="311760" y="1152360"/>
-            <a:ext cx="4157280" cy="1629000"/>
+            <a:off x="457200" y="1203480"/>
+            <a:ext cx="4015800" cy="1422720"/>
           </a:xfrm>
           <a:prstGeom prst="rect">
             <a:avLst/>
@@ -2395,8 +2395,8 @@
         </p:nvSpPr>
         <p:spPr>
           <a:xfrm>
-            <a:off x="4677120" y="1152360"/>
-            <a:ext cx="4157280" cy="3415680"/>
+            <a:off x="4674240" y="1203480"/>
+            <a:ext cx="4015800" cy="2982960"/>
           </a:xfrm>
           <a:prstGeom prst="rect">
             <a:avLst/>
@@ -2425,8 +2425,8 @@
         </p:nvSpPr>
         <p:spPr>
           <a:xfrm>
-            <a:off x="311760" y="2936520"/>
-            <a:ext cx="4157280" cy="1629000"/>
+            <a:off x="457200" y="2761920"/>
+            <a:ext cx="4015800" cy="1422720"/>
           </a:xfrm>
           <a:prstGeom prst="rect">
             <a:avLst/>
@@ -2477,8 +2477,8 @@
         </p:nvSpPr>
         <p:spPr>
           <a:xfrm>
-            <a:off x="311760" y="301680"/>
-            <a:ext cx="8519760" cy="858960"/>
+            <a:off x="457200" y="205200"/>
+            <a:ext cx="8229240" cy="858600"/>
           </a:xfrm>
           <a:prstGeom prst="rect">
             <a:avLst/>
@@ -2508,8 +2508,8 @@
         </p:nvSpPr>
         <p:spPr>
           <a:xfrm>
-            <a:off x="311760" y="1152360"/>
-            <a:ext cx="4157280" cy="3415680"/>
+            <a:off x="457200" y="1203480"/>
+            <a:ext cx="4015800" cy="2982960"/>
           </a:xfrm>
           <a:prstGeom prst="rect">
             <a:avLst/>
@@ -2538,8 +2538,8 @@
         </p:nvSpPr>
         <p:spPr>
           <a:xfrm>
-            <a:off x="4677120" y="1152360"/>
-            <a:ext cx="4157280" cy="1629000"/>
+            <a:off x="4674240" y="1203480"/>
+            <a:ext cx="4015800" cy="1422720"/>
           </a:xfrm>
           <a:prstGeom prst="rect">
             <a:avLst/>
@@ -2568,8 +2568,8 @@
         </p:nvSpPr>
         <p:spPr>
           <a:xfrm>
-            <a:off x="4677120" y="2936520"/>
-            <a:ext cx="4157280" cy="1629000"/>
+            <a:off x="4674240" y="2761920"/>
+            <a:ext cx="4015800" cy="1422720"/>
           </a:xfrm>
           <a:prstGeom prst="rect">
             <a:avLst/>
@@ -2620,8 +2620,8 @@
         </p:nvSpPr>
         <p:spPr>
           <a:xfrm>
-            <a:off x="311760" y="301680"/>
-            <a:ext cx="8519760" cy="858960"/>
+            <a:off x="457200" y="205200"/>
+            <a:ext cx="8229240" cy="858600"/>
           </a:xfrm>
           <a:prstGeom prst="rect">
             <a:avLst/>
@@ -2651,8 +2651,8 @@
         </p:nvSpPr>
         <p:spPr>
           <a:xfrm>
-            <a:off x="311760" y="1152360"/>
-            <a:ext cx="4157280" cy="1629000"/>
+            <a:off x="457200" y="1203480"/>
+            <a:ext cx="4015800" cy="1422720"/>
           </a:xfrm>
           <a:prstGeom prst="rect">
             <a:avLst/>
@@ -2681,8 +2681,8 @@
         </p:nvSpPr>
         <p:spPr>
           <a:xfrm>
-            <a:off x="4677120" y="1152360"/>
-            <a:ext cx="4157280" cy="1629000"/>
+            <a:off x="4674240" y="1203480"/>
+            <a:ext cx="4015800" cy="1422720"/>
           </a:xfrm>
           <a:prstGeom prst="rect">
             <a:avLst/>
@@ -2711,8 +2711,8 @@
         </p:nvSpPr>
         <p:spPr>
           <a:xfrm>
-            <a:off x="311760" y="2936520"/>
-            <a:ext cx="8519760" cy="1629000"/>
+            <a:off x="457200" y="2761920"/>
+            <a:ext cx="8229240" cy="1422720"/>
           </a:xfrm>
           <a:prstGeom prst="rect">
             <a:avLst/>
@@ -2771,7 +2771,7 @@
         <p:spPr>
           <a:xfrm>
             <a:off x="311760" y="301680"/>
-            <a:ext cx="8519760" cy="858960"/>
+            <a:ext cx="8519400" cy="858960"/>
           </a:xfrm>
           <a:prstGeom prst="rect">
             <a:avLst/>
@@ -2806,8 +2806,8 @@
         </p:nvSpPr>
         <p:spPr>
           <a:xfrm>
-            <a:off x="457200" y="1203480"/>
-            <a:ext cx="8229240" cy="2982960"/>
+            <a:off x="311760" y="1152360"/>
+            <a:ext cx="8519400" cy="3415320"/>
           </a:xfrm>
           <a:prstGeom prst="rect">
             <a:avLst/>
@@ -2830,12 +2830,12 @@
               <a:buChar char=""/>
             </a:pPr>
             <a:r>
-              <a:rPr b="0" lang="es-ES" sz="3200" spc="-1" strike="noStrike">
+              <a:rPr b="0" lang="es-ES" sz="1800" spc="-1" strike="noStrike">
                 <a:latin typeface="Arial"/>
               </a:rPr>
               <a:t>Click to edit the outline text format</a:t>
             </a:r>
-            <a:endParaRPr b="0" lang="es-ES" sz="3200" spc="-1" strike="noStrike">
+            <a:endParaRPr b="0" lang="es-ES" sz="1800" spc="-1" strike="noStrike">
               <a:latin typeface="Arial"/>
             </a:endParaRPr>
           </a:p>
@@ -2852,12 +2852,12 @@
               <a:buChar char=""/>
             </a:pPr>
             <a:r>
-              <a:rPr b="0" lang="es-ES" sz="2800" spc="-1" strike="noStrike">
+              <a:rPr b="0" lang="es-ES" sz="1800" spc="-1" strike="noStrike">
                 <a:latin typeface="Arial"/>
               </a:rPr>
               <a:t>Second Outline Level</a:t>
             </a:r>
-            <a:endParaRPr b="0" lang="es-ES" sz="2800" spc="-1" strike="noStrike">
+            <a:endParaRPr b="0" lang="es-ES" sz="1800" spc="-1" strike="noStrike">
               <a:latin typeface="Arial"/>
             </a:endParaRPr>
           </a:p>
@@ -2874,12 +2874,12 @@
               <a:buChar char=""/>
             </a:pPr>
             <a:r>
-              <a:rPr b="0" lang="es-ES" sz="2400" spc="-1" strike="noStrike">
+              <a:rPr b="0" lang="es-ES" sz="1800" spc="-1" strike="noStrike">
                 <a:latin typeface="Arial"/>
               </a:rPr>
               <a:t>Third Outline Level</a:t>
             </a:r>
-            <a:endParaRPr b="0" lang="es-ES" sz="2400" spc="-1" strike="noStrike">
+            <a:endParaRPr b="0" lang="es-ES" sz="1800" spc="-1" strike="noStrike">
               <a:latin typeface="Arial"/>
             </a:endParaRPr>
           </a:p>
@@ -2896,12 +2896,12 @@
               <a:buChar char=""/>
             </a:pPr>
             <a:r>
-              <a:rPr b="0" lang="es-ES" sz="2000" spc="-1" strike="noStrike">
+              <a:rPr b="0" lang="es-ES" sz="1800" spc="-1" strike="noStrike">
                 <a:latin typeface="Arial"/>
               </a:rPr>
               <a:t>Fourth Outline Level</a:t>
             </a:r>
-            <a:endParaRPr b="0" lang="es-ES" sz="2000" spc="-1" strike="noStrike">
+            <a:endParaRPr b="0" lang="es-ES" sz="1800" spc="-1" strike="noStrike">
               <a:latin typeface="Arial"/>
             </a:endParaRPr>
           </a:p>
@@ -2918,12 +2918,12 @@
               <a:buChar char=""/>
             </a:pPr>
             <a:r>
-              <a:rPr b="0" lang="es-ES" sz="2000" spc="-1" strike="noStrike">
+              <a:rPr b="0" lang="es-ES" sz="1800" spc="-1" strike="noStrike">
                 <a:latin typeface="Arial"/>
               </a:rPr>
               <a:t>Fifth Outline Level</a:t>
             </a:r>
-            <a:endParaRPr b="0" lang="es-ES" sz="2000" spc="-1" strike="noStrike">
+            <a:endParaRPr b="0" lang="es-ES" sz="1800" spc="-1" strike="noStrike">
               <a:latin typeface="Arial"/>
             </a:endParaRPr>
           </a:p>
@@ -2940,12 +2940,12 @@
               <a:buChar char=""/>
             </a:pPr>
             <a:r>
-              <a:rPr b="0" lang="es-ES" sz="2000" spc="-1" strike="noStrike">
+              <a:rPr b="0" lang="es-ES" sz="1800" spc="-1" strike="noStrike">
                 <a:latin typeface="Arial"/>
               </a:rPr>
               <a:t>Sixth Outline Level</a:t>
             </a:r>
-            <a:endParaRPr b="0" lang="es-ES" sz="2000" spc="-1" strike="noStrike">
+            <a:endParaRPr b="0" lang="es-ES" sz="1800" spc="-1" strike="noStrike">
               <a:latin typeface="Arial"/>
             </a:endParaRPr>
           </a:p>
@@ -2962,12 +2962,12 @@
               <a:buChar char=""/>
             </a:pPr>
             <a:r>
-              <a:rPr b="0" lang="es-ES" sz="2000" spc="-1" strike="noStrike">
+              <a:rPr b="0" lang="es-ES" sz="1800" spc="-1" strike="noStrike">
                 <a:latin typeface="Arial"/>
               </a:rPr>
               <a:t>Seventh Outline Level</a:t>
             </a:r>
-            <a:endParaRPr b="0" lang="es-ES" sz="2000" spc="-1" strike="noStrike">
+            <a:endParaRPr b="0" lang="es-ES" sz="1800" spc="-1" strike="noStrike">
               <a:latin typeface="Arial"/>
             </a:endParaRPr>
           </a:p>
@@ -3029,8 +3029,8 @@
         </p:nvSpPr>
         <p:spPr>
           <a:xfrm>
-            <a:off x="311760" y="301680"/>
-            <a:ext cx="8519760" cy="858960"/>
+            <a:off x="457200" y="205200"/>
+            <a:ext cx="8229240" cy="858600"/>
           </a:xfrm>
           <a:prstGeom prst="rect">
             <a:avLst/>
@@ -3038,16 +3038,17 @@
         </p:spPr>
         <p:txBody>
           <a:bodyPr lIns="0" rIns="0" tIns="0" bIns="0" anchor="ctr">
-            <a:spAutoFit/>
-          </a:bodyPr>
-          <a:p>
-            <a:r>
-              <a:rPr b="0" lang="es-ES" sz="1800" spc="-1" strike="noStrike">
+            <a:noAutofit/>
+          </a:bodyPr>
+          <a:p>
+            <a:pPr algn="ctr"/>
+            <a:r>
+              <a:rPr b="0" lang="es-ES" sz="4400" spc="-1" strike="noStrike">
                 <a:latin typeface="Arial"/>
               </a:rPr>
               <a:t>Click to edit the title text format</a:t>
             </a:r>
-            <a:endParaRPr b="0" lang="es-ES" sz="1800" spc="-1" strike="noStrike">
+            <a:endParaRPr b="0" lang="es-ES" sz="4400" spc="-1" strike="noStrike">
               <a:latin typeface="Arial"/>
             </a:endParaRPr>
           </a:p>
@@ -3065,8 +3066,8 @@
         </p:nvSpPr>
         <p:spPr>
           <a:xfrm>
-            <a:off x="311760" y="1152360"/>
-            <a:ext cx="8519760" cy="3415680"/>
+            <a:off x="457200" y="1203480"/>
+            <a:ext cx="8229240" cy="2982960"/>
           </a:xfrm>
           <a:prstGeom prst="rect">
             <a:avLst/>
@@ -3089,12 +3090,12 @@
               <a:buChar char=""/>
             </a:pPr>
             <a:r>
-              <a:rPr b="0" lang="es-ES" sz="1800" spc="-1" strike="noStrike">
+              <a:rPr b="0" lang="es-ES" sz="3200" spc="-1" strike="noStrike">
                 <a:latin typeface="Arial"/>
               </a:rPr>
               <a:t>Click to edit the outline text format</a:t>
             </a:r>
-            <a:endParaRPr b="0" lang="es-ES" sz="1800" spc="-1" strike="noStrike">
+            <a:endParaRPr b="0" lang="es-ES" sz="3200" spc="-1" strike="noStrike">
               <a:latin typeface="Arial"/>
             </a:endParaRPr>
           </a:p>
@@ -3111,12 +3112,12 @@
               <a:buChar char=""/>
             </a:pPr>
             <a:r>
-              <a:rPr b="0" lang="es-ES" sz="1800" spc="-1" strike="noStrike">
+              <a:rPr b="0" lang="es-ES" sz="2800" spc="-1" strike="noStrike">
                 <a:latin typeface="Arial"/>
               </a:rPr>
               <a:t>Second Outline Level</a:t>
             </a:r>
-            <a:endParaRPr b="0" lang="es-ES" sz="1800" spc="-1" strike="noStrike">
+            <a:endParaRPr b="0" lang="es-ES" sz="2800" spc="-1" strike="noStrike">
               <a:latin typeface="Arial"/>
             </a:endParaRPr>
           </a:p>
@@ -3133,12 +3134,12 @@
               <a:buChar char=""/>
             </a:pPr>
             <a:r>
-              <a:rPr b="0" lang="es-ES" sz="1800" spc="-1" strike="noStrike">
+              <a:rPr b="0" lang="es-ES" sz="2400" spc="-1" strike="noStrike">
                 <a:latin typeface="Arial"/>
               </a:rPr>
               <a:t>Third Outline Level</a:t>
             </a:r>
-            <a:endParaRPr b="0" lang="es-ES" sz="1800" spc="-1" strike="noStrike">
+            <a:endParaRPr b="0" lang="es-ES" sz="2400" spc="-1" strike="noStrike">
               <a:latin typeface="Arial"/>
             </a:endParaRPr>
           </a:p>
@@ -3155,12 +3156,12 @@
               <a:buChar char=""/>
             </a:pPr>
             <a:r>
-              <a:rPr b="0" lang="es-ES" sz="1800" spc="-1" strike="noStrike">
+              <a:rPr b="0" lang="es-ES" sz="2000" spc="-1" strike="noStrike">
                 <a:latin typeface="Arial"/>
               </a:rPr>
               <a:t>Fourth Outline Level</a:t>
             </a:r>
-            <a:endParaRPr b="0" lang="es-ES" sz="1800" spc="-1" strike="noStrike">
+            <a:endParaRPr b="0" lang="es-ES" sz="2000" spc="-1" strike="noStrike">
               <a:latin typeface="Arial"/>
             </a:endParaRPr>
           </a:p>
@@ -3177,12 +3178,12 @@
               <a:buChar char=""/>
             </a:pPr>
             <a:r>
-              <a:rPr b="0" lang="es-ES" sz="1800" spc="-1" strike="noStrike">
+              <a:rPr b="0" lang="es-ES" sz="2000" spc="-1" strike="noStrike">
                 <a:latin typeface="Arial"/>
               </a:rPr>
               <a:t>Fifth Outline Level</a:t>
             </a:r>
-            <a:endParaRPr b="0" lang="es-ES" sz="1800" spc="-1" strike="noStrike">
+            <a:endParaRPr b="0" lang="es-ES" sz="2000" spc="-1" strike="noStrike">
               <a:latin typeface="Arial"/>
             </a:endParaRPr>
           </a:p>
@@ -3199,12 +3200,12 @@
               <a:buChar char=""/>
             </a:pPr>
             <a:r>
-              <a:rPr b="0" lang="es-ES" sz="1800" spc="-1" strike="noStrike">
+              <a:rPr b="0" lang="es-ES" sz="2000" spc="-1" strike="noStrike">
                 <a:latin typeface="Arial"/>
               </a:rPr>
               <a:t>Sixth Outline Level</a:t>
             </a:r>
-            <a:endParaRPr b="0" lang="es-ES" sz="1800" spc="-1" strike="noStrike">
+            <a:endParaRPr b="0" lang="es-ES" sz="2000" spc="-1" strike="noStrike">
               <a:latin typeface="Arial"/>
             </a:endParaRPr>
           </a:p>
@@ -3221,12 +3222,12 @@
               <a:buChar char=""/>
             </a:pPr>
             <a:r>
-              <a:rPr b="0" lang="es-ES" sz="1800" spc="-1" strike="noStrike">
+              <a:rPr b="0" lang="es-ES" sz="2000" spc="-1" strike="noStrike">
                 <a:latin typeface="Arial"/>
               </a:rPr>
               <a:t>Seventh Outline Level</a:t>
             </a:r>
-            <a:endParaRPr b="0" lang="es-ES" sz="1800" spc="-1" strike="noStrike">
+            <a:endParaRPr b="0" lang="es-ES" sz="2000" spc="-1" strike="noStrike">
               <a:latin typeface="Arial"/>
             </a:endParaRPr>
           </a:p>
@@ -3278,7 +3279,7 @@
         <p:spPr>
           <a:xfrm>
             <a:off x="844560" y="781560"/>
-            <a:ext cx="7881480" cy="2052000"/>
+            <a:ext cx="7881120" cy="2051640"/>
           </a:xfrm>
           <a:prstGeom prst="rect">
             <a:avLst/>
@@ -3314,7 +3315,16 @@
               </a:rPr>
               <a:t>Automated Customer Reviews</a:t>
             </a:r>
-            <a:br/>
+            <a:endParaRPr b="0" lang="es-ES" sz="3100" spc="-1" strike="noStrike">
+              <a:latin typeface="Arial"/>
+            </a:endParaRPr>
+          </a:p>
+          <a:p>
+            <a:pPr algn="ctr">
+              <a:lnSpc>
+                <a:spcPct val="100000"/>
+              </a:lnSpc>
+            </a:pPr>
             <a:r>
               <a:rPr b="1" lang="es-ES" sz="5200" spc="-1" strike="noStrike">
                 <a:solidFill>
@@ -3350,7 +3360,7 @@
         <p:spPr>
           <a:xfrm>
             <a:off x="311760" y="2834280"/>
-            <a:ext cx="8519760" cy="792000"/>
+            <a:ext cx="8519400" cy="791640"/>
           </a:xfrm>
           <a:prstGeom prst="rect">
             <a:avLst/>
@@ -3451,7 +3461,7 @@
         <p:spPr>
           <a:xfrm>
             <a:off x="311760" y="623880"/>
-            <a:ext cx="8519760" cy="213840"/>
+            <a:ext cx="8519400" cy="213480"/>
           </a:xfrm>
           <a:prstGeom prst="rect">
             <a:avLst/>
@@ -3483,6 +3493,7 @@
                   <a:srgbClr val="000000"/>
                 </a:solidFill>
                 <a:latin typeface="Arial"/>
+                <a:ea typeface="DejaVu Sans"/>
               </a:rPr>
               <a:t>Self Medal: LSD Medal</a:t>
             </a:r>
@@ -3501,7 +3512,7 @@
         <p:spPr>
           <a:xfrm>
             <a:off x="311760" y="1152360"/>
-            <a:ext cx="8519760" cy="3415680"/>
+            <a:ext cx="8519400" cy="3415320"/>
           </a:xfrm>
           <a:prstGeom prst="rect">
             <a:avLst/>
@@ -3522,7 +3533,7 @@
             <a:normAutofit/>
           </a:bodyPr>
           <a:p>
-            <a:pPr marL="432000" indent="-323640">
+            <a:pPr marL="432000" indent="-323280">
               <a:lnSpc>
                 <a:spcPct val="100000"/>
               </a:lnSpc>
@@ -3542,15 +3553,16 @@
                   <a:srgbClr val="000000"/>
                 </a:solidFill>
                 <a:latin typeface="Arial"/>
-              </a:rPr>
-              <a:t>Because our model was hallucinating</a:t>
+                <a:ea typeface="DejaVu Sans"/>
+              </a:rPr>
+              <a:t>Because of my model was hallucinating</a:t>
             </a:r>
             <a:endParaRPr b="0" lang="es-ES" sz="1400" spc="-1" strike="noStrike">
               <a:latin typeface="Arial"/>
             </a:endParaRPr>
           </a:p>
           <a:p>
-            <a:pPr marL="432000" indent="-323640">
+            <a:pPr marL="432000" indent="-323280">
               <a:lnSpc>
                 <a:spcPct val="100000"/>
               </a:lnSpc>
@@ -3570,6 +3582,7 @@
                   <a:srgbClr val="000000"/>
                 </a:solidFill>
                 <a:latin typeface="Arial"/>
+                <a:ea typeface="DejaVu Sans"/>
               </a:rPr>
               <a:t>so hard it looked like it was high on LSD.</a:t>
             </a:r>
@@ -3581,7 +3594,7 @@
       </p:sp>
       <p:pic>
         <p:nvPicPr>
-          <p:cNvPr id="101" name="" descr=""/>
+          <p:cNvPr id="101" name="Grafik 102" descr=""/>
           <p:cNvPicPr/>
           <p:nvPr/>
         </p:nvPicPr>
@@ -3591,8 +3604,8 @@
         </p:blipFill>
         <p:spPr>
           <a:xfrm>
-            <a:off x="4066200" y="194040"/>
-            <a:ext cx="4765320" cy="4773600"/>
+            <a:off x="4383000" y="144000"/>
+            <a:ext cx="4616640" cy="4895640"/>
           </a:xfrm>
           <a:prstGeom prst="rect">
             <a:avLst/>
@@ -3614,8 +3627,8 @@
         </p:blipFill>
         <p:spPr>
           <a:xfrm>
-            <a:off x="1152000" y="2304000"/>
-            <a:ext cx="1800000" cy="1819080"/>
+            <a:off x="1152360" y="2158560"/>
+            <a:ext cx="1943280" cy="1963800"/>
           </a:xfrm>
           <a:prstGeom prst="rect">
             <a:avLst/>
@@ -3664,7 +3677,7 @@
         <p:spPr>
           <a:xfrm>
             <a:off x="311760" y="444960"/>
-            <a:ext cx="8519760" cy="572040"/>
+            <a:ext cx="8519400" cy="571680"/>
           </a:xfrm>
           <a:prstGeom prst="rect">
             <a:avLst/>
@@ -3725,7 +3738,7 @@
         <p:spPr>
           <a:xfrm>
             <a:off x="311760" y="1152360"/>
-            <a:ext cx="8519760" cy="3415680"/>
+            <a:ext cx="8519400" cy="3415320"/>
           </a:xfrm>
           <a:prstGeom prst="rect">
             <a:avLst/>
@@ -3756,7 +3769,7 @@
             </a:endParaRPr>
           </a:p>
           <a:p>
-            <a:pPr marL="457200" indent="-342360">
+            <a:pPr marL="457200" indent="-342000">
               <a:lnSpc>
                 <a:spcPct val="115000"/>
               </a:lnSpc>
@@ -3784,7 +3797,7 @@
             </a:endParaRPr>
           </a:p>
           <a:p>
-            <a:pPr marL="457200" indent="-342360">
+            <a:pPr marL="457200" indent="-342000">
               <a:lnSpc>
                 <a:spcPct val="115000"/>
               </a:lnSpc>
@@ -3809,7 +3822,7 @@
             </a:endParaRPr>
           </a:p>
           <a:p>
-            <a:pPr marL="457200" indent="-342360">
+            <a:pPr marL="457200" indent="-342000">
               <a:lnSpc>
                 <a:spcPct val="115000"/>
               </a:lnSpc>
@@ -3897,7 +3910,7 @@
         <p:spPr>
           <a:xfrm>
             <a:off x="311760" y="444960"/>
-            <a:ext cx="8519760" cy="572040"/>
+            <a:ext cx="8519400" cy="571680"/>
           </a:xfrm>
           <a:prstGeom prst="rect">
             <a:avLst/>
@@ -3948,7 +3961,7 @@
         <p:spPr>
           <a:xfrm>
             <a:off x="311760" y="1152360"/>
-            <a:ext cx="8519760" cy="3415680"/>
+            <a:ext cx="8519400" cy="3415320"/>
           </a:xfrm>
           <a:prstGeom prst="rect">
             <a:avLst/>
@@ -3969,7 +3982,7 @@
             <a:normAutofit/>
           </a:bodyPr>
           <a:p>
-            <a:pPr marL="457200" indent="-342360">
+            <a:pPr marL="457200" indent="-342000">
               <a:lnSpc>
                 <a:spcPct val="115000"/>
               </a:lnSpc>
@@ -3987,14 +4000,14 @@
                 <a:latin typeface="Arial"/>
                 <a:ea typeface="Arial"/>
               </a:rPr>
-              <a:t>Distilbert Model for classification</a:t>
+              <a:t>Classification with Distilbert Model </a:t>
             </a:r>
             <a:endParaRPr b="0" lang="es-ES" sz="1800" spc="-1" strike="noStrike">
               <a:latin typeface="Arial"/>
             </a:endParaRPr>
           </a:p>
           <a:p>
-            <a:pPr marL="457200" indent="-342360">
+            <a:pPr marL="457200" indent="-342000">
               <a:lnSpc>
                 <a:spcPct val="115000"/>
               </a:lnSpc>
@@ -4019,7 +4032,7 @@
             </a:endParaRPr>
           </a:p>
           <a:p>
-            <a:pPr marL="457200" indent="-342360">
+            <a:pPr marL="457200" indent="-342000">
               <a:lnSpc>
                 <a:spcPct val="115000"/>
               </a:lnSpc>
@@ -4037,14 +4050,14 @@
                 <a:latin typeface="Arial"/>
                 <a:ea typeface="Arial"/>
               </a:rPr>
-              <a:t>Summarization was done with Mistral-7b and Fine-tunning with Qlora</a:t>
+              <a:t>Summarization with Mistral-7b and Fine-tunning with Qlora</a:t>
             </a:r>
             <a:endParaRPr b="0" lang="es-ES" sz="1800" spc="-1" strike="noStrike">
               <a:latin typeface="Arial"/>
             </a:endParaRPr>
           </a:p>
           <a:p>
-            <a:pPr marL="457200" indent="-342360">
+            <a:pPr marL="457200" indent="-342000">
               <a:lnSpc>
                 <a:spcPct val="115000"/>
               </a:lnSpc>
@@ -4062,14 +4075,14 @@
                 <a:latin typeface="Arial"/>
                 <a:ea typeface="Arial"/>
               </a:rPr>
-              <a:t>Deployment of the product recommendation website via Loveable website</a:t>
+              <a:t>Deployment --&gt;  Loveable website</a:t>
             </a:r>
             <a:endParaRPr b="0" lang="es-ES" sz="1800" spc="-1" strike="noStrike">
               <a:latin typeface="Arial"/>
             </a:endParaRPr>
           </a:p>
           <a:p>
-            <a:pPr marL="457200" indent="-342360">
+            <a:pPr marL="457200" indent="-342000">
               <a:lnSpc>
                 <a:spcPct val="115000"/>
               </a:lnSpc>
@@ -4087,24 +4100,54 @@
                 <a:latin typeface="Arial"/>
                 <a:ea typeface="Arial"/>
               </a:rPr>
-              <a:t>Cleaned the data by removing duplicate values.</a:t>
+              <a:t>Cleaned the data by Merging datasets, reducing columns,</a:t>
             </a:r>
             <a:endParaRPr b="0" lang="es-ES" sz="1800" spc="-1" strike="noStrike">
               <a:latin typeface="Arial"/>
             </a:endParaRPr>
           </a:p>
           <a:p>
-            <a:pPr>
+            <a:pPr marL="114480">
               <a:lnSpc>
                 <a:spcPct val="115000"/>
               </a:lnSpc>
             </a:pPr>
+            <a:r>
+              <a:rPr b="0" lang="es-ES" sz="1800" spc="-1" strike="noStrike">
+                <a:solidFill>
+                  <a:srgbClr val="595959"/>
+                </a:solidFill>
+                <a:latin typeface="Arial"/>
+                <a:ea typeface="Arial"/>
+              </a:rPr>
+              <a:t>      </a:t>
+            </a:r>
+            <a:r>
+              <a:rPr b="0" lang="es-ES" sz="1800" spc="-1" strike="noStrike">
+                <a:solidFill>
+                  <a:srgbClr val="595959"/>
+                </a:solidFill>
+                <a:latin typeface="Arial"/>
+                <a:ea typeface="Arial"/>
+              </a:rPr>
+              <a:t>removing duplicate values, and adding some stopwords</a:t>
+            </a:r>
             <a:endParaRPr b="0" lang="es-ES" sz="1800" spc="-1" strike="noStrike">
               <a:latin typeface="Arial"/>
             </a:endParaRPr>
           </a:p>
           <a:p>
-            <a:pPr>
+            <a:pPr marL="114480">
+              <a:lnSpc>
+                <a:spcPct val="115000"/>
+              </a:lnSpc>
+            </a:pPr>
+            <a:endParaRPr b="0" lang="es-ES" sz="1800" spc="-1" strike="noStrike">
+              <a:latin typeface="Arial"/>
+            </a:endParaRPr>
+          </a:p>
+          <a:p>
+            <a:pPr marL="114480">
               <a:lnSpc>
                 <a:spcPct val="115000"/>
               </a:lnSpc>
@@ -4154,7 +4197,7 @@
         <p:spPr>
           <a:xfrm>
             <a:off x="311760" y="444960"/>
-            <a:ext cx="8519760" cy="572040"/>
+            <a:ext cx="8519400" cy="571680"/>
           </a:xfrm>
           <a:prstGeom prst="rect">
             <a:avLst/>
@@ -4205,7 +4248,7 @@
         <p:spPr>
           <a:xfrm>
             <a:off x="311760" y="1152360"/>
-            <a:ext cx="8519760" cy="3415680"/>
+            <a:ext cx="8519400" cy="3415320"/>
           </a:xfrm>
           <a:prstGeom prst="rect">
             <a:avLst/>
@@ -4269,7 +4312,7 @@
             </a:endParaRPr>
           </a:p>
           <a:p>
-            <a:pPr marL="457200" indent="-342360">
+            <a:pPr marL="457200" indent="-342000">
               <a:lnSpc>
                 <a:spcPct val="115000"/>
               </a:lnSpc>
@@ -4294,7 +4337,7 @@
             </a:endParaRPr>
           </a:p>
           <a:p>
-            <a:pPr marL="457200" indent="-342360">
+            <a:pPr marL="457200" indent="-342000">
               <a:lnSpc>
                 <a:spcPct val="115000"/>
               </a:lnSpc>
@@ -4319,7 +4362,7 @@
             </a:endParaRPr>
           </a:p>
           <a:p>
-            <a:pPr marL="457200" indent="-342360">
+            <a:pPr marL="457200" indent="-342000">
               <a:lnSpc>
                 <a:spcPct val="115000"/>
               </a:lnSpc>
@@ -4344,7 +4387,7 @@
             </a:endParaRPr>
           </a:p>
           <a:p>
-            <a:pPr marL="457200" indent="-342360">
+            <a:pPr marL="457200" indent="-342000">
               <a:lnSpc>
                 <a:spcPct val="115000"/>
               </a:lnSpc>
@@ -4369,7 +4412,7 @@
             </a:endParaRPr>
           </a:p>
           <a:p>
-            <a:pPr marL="457200" indent="-342360">
+            <a:pPr marL="457200" indent="-342000">
               <a:lnSpc>
                 <a:spcPct val="115000"/>
               </a:lnSpc>
@@ -4460,7 +4503,7 @@
         <p:spPr>
           <a:xfrm>
             <a:off x="311760" y="444960"/>
-            <a:ext cx="8519760" cy="572040"/>
+            <a:ext cx="8519400" cy="571680"/>
           </a:xfrm>
           <a:prstGeom prst="rect">
             <a:avLst/>
@@ -4511,7 +4554,7 @@
         <p:spPr>
           <a:xfrm>
             <a:off x="311760" y="1152360"/>
-            <a:ext cx="8519760" cy="3415680"/>
+            <a:ext cx="8519400" cy="3415320"/>
           </a:xfrm>
           <a:prstGeom prst="rect">
             <a:avLst/>
@@ -4575,7 +4618,7 @@
             </a:endParaRPr>
           </a:p>
           <a:p>
-            <a:pPr marL="457200" indent="-342360">
+            <a:pPr marL="457200" indent="-342000">
               <a:lnSpc>
                 <a:spcPct val="115000"/>
               </a:lnSpc>
@@ -4660,7 +4703,7 @@
         <p:spPr>
           <a:xfrm>
             <a:off x="4572000" y="1938240"/>
-            <a:ext cx="3899880" cy="3083400"/>
+            <a:ext cx="3899520" cy="3083040"/>
           </a:xfrm>
           <a:prstGeom prst="rect">
             <a:avLst/>
@@ -4683,7 +4726,7 @@
         <p:spPr>
           <a:xfrm>
             <a:off x="0" y="2327760"/>
-            <a:ext cx="4474800" cy="2304720"/>
+            <a:ext cx="4474440" cy="2304360"/>
           </a:xfrm>
           <a:prstGeom prst="rect">
             <a:avLst/>
@@ -4732,7 +4775,7 @@
         <p:spPr>
           <a:xfrm>
             <a:off x="311760" y="444960"/>
-            <a:ext cx="8519760" cy="572040"/>
+            <a:ext cx="8519400" cy="571680"/>
           </a:xfrm>
           <a:prstGeom prst="rect">
             <a:avLst/>
@@ -4783,7 +4826,7 @@
         <p:spPr>
           <a:xfrm>
             <a:off x="311760" y="1152360"/>
-            <a:ext cx="8519760" cy="3415680"/>
+            <a:ext cx="8519400" cy="3415320"/>
           </a:xfrm>
           <a:prstGeom prst="rect">
             <a:avLst/>
@@ -4814,7 +4857,7 @@
             </a:endParaRPr>
           </a:p>
           <a:p>
-            <a:pPr marL="914400" indent="-342360">
+            <a:pPr marL="914400" indent="-342000">
               <a:lnSpc>
                 <a:spcPct val="115000"/>
               </a:lnSpc>
@@ -4842,7 +4885,7 @@
             </a:endParaRPr>
           </a:p>
           <a:p>
-            <a:pPr marL="914400" indent="-342360">
+            <a:pPr marL="914400" indent="-342000">
               <a:lnSpc>
                 <a:spcPct val="115000"/>
               </a:lnSpc>
@@ -4870,7 +4913,7 @@
             </a:endParaRPr>
           </a:p>
           <a:p>
-            <a:pPr marL="914400" indent="-342360">
+            <a:pPr marL="914400" indent="-342000">
               <a:lnSpc>
                 <a:spcPct val="115000"/>
               </a:lnSpc>
@@ -4898,7 +4941,7 @@
             </a:endParaRPr>
           </a:p>
           <a:p>
-            <a:pPr marL="914400" indent="-342360">
+            <a:pPr marL="914400" indent="-342000">
               <a:lnSpc>
                 <a:spcPct val="115000"/>
               </a:lnSpc>
@@ -4936,7 +4979,7 @@
             </a:endParaRPr>
           </a:p>
           <a:p>
-            <a:pPr marL="914400" indent="-342360">
+            <a:pPr marL="914400" indent="-342000">
               <a:lnSpc>
                 <a:spcPct val="115000"/>
               </a:lnSpc>
@@ -5063,7 +5106,7 @@
         <p:spPr>
           <a:xfrm>
             <a:off x="311760" y="444960"/>
-            <a:ext cx="8519760" cy="572040"/>
+            <a:ext cx="8519400" cy="571680"/>
           </a:xfrm>
           <a:prstGeom prst="rect">
             <a:avLst/>
@@ -5114,7 +5157,7 @@
         <p:spPr>
           <a:xfrm>
             <a:off x="311760" y="1152360"/>
-            <a:ext cx="8519760" cy="3415680"/>
+            <a:ext cx="8519400" cy="3415320"/>
           </a:xfrm>
           <a:prstGeom prst="rect">
             <a:avLst/>
@@ -5191,7 +5234,7 @@
         <p:spPr>
           <a:xfrm>
             <a:off x="223200" y="1152360"/>
-            <a:ext cx="8608680" cy="1903320"/>
+            <a:ext cx="8608320" cy="1902960"/>
           </a:xfrm>
           <a:prstGeom prst="rect">
             <a:avLst/>
@@ -5214,7 +5257,7 @@
         <p:spPr>
           <a:xfrm>
             <a:off x="586800" y="3053520"/>
-            <a:ext cx="6972480" cy="1900080"/>
+            <a:ext cx="6972120" cy="1899720"/>
           </a:xfrm>
           <a:prstGeom prst="rect">
             <a:avLst/>
@@ -5263,7 +5306,7 @@
         <p:spPr>
           <a:xfrm>
             <a:off x="311760" y="444960"/>
-            <a:ext cx="8519760" cy="572040"/>
+            <a:ext cx="8519400" cy="571680"/>
           </a:xfrm>
           <a:prstGeom prst="rect">
             <a:avLst/>
@@ -5314,7 +5357,7 @@
         <p:spPr>
           <a:xfrm>
             <a:off x="311760" y="1152360"/>
-            <a:ext cx="8519760" cy="3415680"/>
+            <a:ext cx="8519400" cy="3415320"/>
           </a:xfrm>
           <a:prstGeom prst="rect">
             <a:avLst/>
@@ -5375,7 +5418,7 @@
             </a:endParaRPr>
           </a:p>
           <a:p>
-            <a:pPr marL="914400" indent="-342360">
+            <a:pPr marL="914400" indent="-342000">
               <a:lnSpc>
                 <a:spcPct val="115000"/>
               </a:lnSpc>
@@ -5424,7 +5467,7 @@
         <p:spPr>
           <a:xfrm>
             <a:off x="193320" y="2311560"/>
-            <a:ext cx="8845920" cy="2256840"/>
+            <a:ext cx="8845560" cy="2256480"/>
           </a:xfrm>
           <a:prstGeom prst="rect">
             <a:avLst/>
@@ -5473,7 +5516,7 @@
         <p:spPr>
           <a:xfrm>
             <a:off x="311760" y="444960"/>
-            <a:ext cx="8519760" cy="572040"/>
+            <a:ext cx="8519400" cy="571680"/>
           </a:xfrm>
           <a:prstGeom prst="rect">
             <a:avLst/>
@@ -5524,7 +5567,7 @@
         <p:spPr>
           <a:xfrm>
             <a:off x="311760" y="1152360"/>
-            <a:ext cx="8519760" cy="3415680"/>
+            <a:ext cx="8519400" cy="3415320"/>
           </a:xfrm>
           <a:prstGeom prst="rect">
             <a:avLst/>
@@ -5545,7 +5588,7 @@
             <a:normAutofit/>
           </a:bodyPr>
           <a:p>
-            <a:pPr marL="457200" indent="-342360">
+            <a:pPr marL="457200" indent="-342000">
               <a:lnSpc>
                 <a:spcPct val="115000"/>
               </a:lnSpc>
@@ -5563,18 +5606,18 @@
                 <a:latin typeface="Arial"/>
                 <a:ea typeface="Arial"/>
               </a:rPr>
-              <a:t>URL: </a:t>
-            </a:r>
-            <a:r>
-              <a:rPr b="0" lang="es-ES" sz="1800" spc="-1" strike="noStrike" u="sng">
+              <a:t>URL:</a:t>
+            </a:r>
+            <a:r>
+              <a:rPr b="0" lang="es-ES" sz="1800" spc="-1" strike="noStrike">
                 <a:solidFill>
                   <a:srgbClr val="595959"/>
                 </a:solidFill>
-                <a:uFillTx/>
                 <a:latin typeface="Arial"/>
                 <a:ea typeface="Arial"/>
-              </a:rPr>
-              <a:t>https://review-spark-compare.lovable.app</a:t>
+                <a:hlinkClick r:id="rId1"/>
+              </a:rPr>
+              <a:t> https://review-spark-compare.lovable.app</a:t>
             </a:r>
             <a:endParaRPr b="0" lang="es-ES" sz="1800" spc="-1" strike="noStrike">
               <a:latin typeface="Arial"/>
